--- a/YouTube Audience Reaction Analysis.pptx
+++ b/YouTube Audience Reaction Analysis.pptx
@@ -121,6 +121,11 @@
       </a:defRPr>
     </a:lvl9pPr>
   </p:defaultTextStyle>
+  <p:extLst>
+    <p:ext uri="{EFAFB233-063F-42B5-8137-9DF3F51BA10A}">
+      <p15:sldGuideLst xmlns:p15="http://schemas.microsoft.com/office/powerpoint/2012/main"/>
+    </p:ext>
+  </p:extLst>
 </p:presentation>
 </file>
 
@@ -271,7 +276,7 @@
           <a:p>
             <a:fld id="{E6E31AF1-91AC-4133-93C9-CC87F806CAF7}" type="datetimeFigureOut">
               <a:rPr lang="en-US" smtClean="0"/>
-              <a:t>11/5/2025</a:t>
+              <a:t>11/10/2025</a:t>
             </a:fld>
             <a:endParaRPr lang="en-US"/>
           </a:p>
@@ -469,7 +474,7 @@
           <a:p>
             <a:fld id="{E6E31AF1-91AC-4133-93C9-CC87F806CAF7}" type="datetimeFigureOut">
               <a:rPr lang="en-US" smtClean="0"/>
-              <a:t>11/5/2025</a:t>
+              <a:t>11/10/2025</a:t>
             </a:fld>
             <a:endParaRPr lang="en-US"/>
           </a:p>
@@ -677,7 +682,7 @@
           <a:p>
             <a:fld id="{E6E31AF1-91AC-4133-93C9-CC87F806CAF7}" type="datetimeFigureOut">
               <a:rPr lang="en-US" smtClean="0"/>
-              <a:t>11/5/2025</a:t>
+              <a:t>11/10/2025</a:t>
             </a:fld>
             <a:endParaRPr lang="en-US"/>
           </a:p>
@@ -875,7 +880,7 @@
           <a:p>
             <a:fld id="{E6E31AF1-91AC-4133-93C9-CC87F806CAF7}" type="datetimeFigureOut">
               <a:rPr lang="en-US" smtClean="0"/>
-              <a:t>11/5/2025</a:t>
+              <a:t>11/10/2025</a:t>
             </a:fld>
             <a:endParaRPr lang="en-US"/>
           </a:p>
@@ -1150,7 +1155,7 @@
           <a:p>
             <a:fld id="{E6E31AF1-91AC-4133-93C9-CC87F806CAF7}" type="datetimeFigureOut">
               <a:rPr lang="en-US" smtClean="0"/>
-              <a:t>11/5/2025</a:t>
+              <a:t>11/10/2025</a:t>
             </a:fld>
             <a:endParaRPr lang="en-US"/>
           </a:p>
@@ -1415,7 +1420,7 @@
           <a:p>
             <a:fld id="{E6E31AF1-91AC-4133-93C9-CC87F806CAF7}" type="datetimeFigureOut">
               <a:rPr lang="en-US" smtClean="0"/>
-              <a:t>11/5/2025</a:t>
+              <a:t>11/10/2025</a:t>
             </a:fld>
             <a:endParaRPr lang="en-US"/>
           </a:p>
@@ -1827,7 +1832,7 @@
           <a:p>
             <a:fld id="{E6E31AF1-91AC-4133-93C9-CC87F806CAF7}" type="datetimeFigureOut">
               <a:rPr lang="en-US" smtClean="0"/>
-              <a:t>11/5/2025</a:t>
+              <a:t>11/10/2025</a:t>
             </a:fld>
             <a:endParaRPr lang="en-US"/>
           </a:p>
@@ -1968,7 +1973,7 @@
           <a:p>
             <a:fld id="{E6E31AF1-91AC-4133-93C9-CC87F806CAF7}" type="datetimeFigureOut">
               <a:rPr lang="en-US" smtClean="0"/>
-              <a:t>11/5/2025</a:t>
+              <a:t>11/10/2025</a:t>
             </a:fld>
             <a:endParaRPr lang="en-US"/>
           </a:p>
@@ -2081,7 +2086,7 @@
           <a:p>
             <a:fld id="{E6E31AF1-91AC-4133-93C9-CC87F806CAF7}" type="datetimeFigureOut">
               <a:rPr lang="en-US" smtClean="0"/>
-              <a:t>11/5/2025</a:t>
+              <a:t>11/10/2025</a:t>
             </a:fld>
             <a:endParaRPr lang="en-US"/>
           </a:p>
@@ -2392,7 +2397,7 @@
           <a:p>
             <a:fld id="{E6E31AF1-91AC-4133-93C9-CC87F806CAF7}" type="datetimeFigureOut">
               <a:rPr lang="en-US" smtClean="0"/>
-              <a:t>11/5/2025</a:t>
+              <a:t>11/10/2025</a:t>
             </a:fld>
             <a:endParaRPr lang="en-US"/>
           </a:p>
@@ -2680,7 +2685,7 @@
           <a:p>
             <a:fld id="{E6E31AF1-91AC-4133-93C9-CC87F806CAF7}" type="datetimeFigureOut">
               <a:rPr lang="en-US" smtClean="0"/>
-              <a:t>11/5/2025</a:t>
+              <a:t>11/10/2025</a:t>
             </a:fld>
             <a:endParaRPr lang="en-US"/>
           </a:p>
@@ -2921,7 +2926,7 @@
           <a:p>
             <a:fld id="{E6E31AF1-91AC-4133-93C9-CC87F806CAF7}" type="datetimeFigureOut">
               <a:rPr lang="en-US" smtClean="0"/>
-              <a:t>11/5/2025</a:t>
+              <a:t>11/10/2025</a:t>
             </a:fld>
             <a:endParaRPr lang="en-US"/>
           </a:p>
@@ -5399,10 +5404,10 @@
       </p:sp>
       <p:pic>
         <p:nvPicPr>
-          <p:cNvPr id="5" name="Content Placeholder 4">
-            <a:extLst>
-              <a:ext uri="{FF2B5EF4-FFF2-40B4-BE49-F238E27FC236}">
-                <a16:creationId xmlns:a16="http://schemas.microsoft.com/office/drawing/2014/main" id="{21075D5A-2A84-24F7-DCB5-FA486BB3B9A8}"/>
+          <p:cNvPr id="7" name="Content Placeholder 6">
+            <a:extLst>
+              <a:ext uri="{FF2B5EF4-FFF2-40B4-BE49-F238E27FC236}">
+                <a16:creationId xmlns:a16="http://schemas.microsoft.com/office/drawing/2014/main" id="{08CE7133-6EA8-DABE-4A3A-AC30C1ACEABE}"/>
               </a:ext>
             </a:extLst>
           </p:cNvPr>
@@ -5421,8 +5426,8 @@
         </p:blipFill>
         <p:spPr>
           <a:xfrm>
-            <a:off x="1257186" y="1482780"/>
-            <a:ext cx="10096614" cy="5010095"/>
+            <a:off x="1447800" y="1524000"/>
+            <a:ext cx="8621486" cy="4652963"/>
           </a:xfrm>
           <a:prstGeom prst="rect">
             <a:avLst/>

--- a/YouTube Audience Reaction Analysis.pptx
+++ b/YouTube Audience Reaction Analysis.pptx
@@ -4028,10 +4028,10 @@
       </p:sp>
       <p:pic>
         <p:nvPicPr>
-          <p:cNvPr id="5" name="Content Placeholder 4">
-            <a:extLst>
-              <a:ext uri="{FF2B5EF4-FFF2-40B4-BE49-F238E27FC236}">
-                <a16:creationId xmlns:a16="http://schemas.microsoft.com/office/drawing/2014/main" id="{F8E16884-4396-8B68-A293-8109E6D4333B}"/>
+          <p:cNvPr id="7" name="Content Placeholder 6">
+            <a:extLst>
+              <a:ext uri="{FF2B5EF4-FFF2-40B4-BE49-F238E27FC236}">
+                <a16:creationId xmlns:a16="http://schemas.microsoft.com/office/drawing/2014/main" id="{96DDBABA-5E94-517A-2101-709EB6D4D3A8}"/>
               </a:ext>
             </a:extLst>
           </p:cNvPr>
@@ -4050,8 +4050,8 @@
         </p:blipFill>
         <p:spPr>
           <a:xfrm>
-            <a:off x="2762249" y="1690688"/>
-            <a:ext cx="7130857" cy="4802187"/>
+            <a:off x="2694214" y="1581009"/>
+            <a:ext cx="6803571" cy="4581780"/>
           </a:xfrm>
           <a:prstGeom prst="rect">
             <a:avLst/>
@@ -4119,10 +4119,10 @@
       </p:sp>
       <p:pic>
         <p:nvPicPr>
-          <p:cNvPr id="5" name="Content Placeholder 4">
-            <a:extLst>
-              <a:ext uri="{FF2B5EF4-FFF2-40B4-BE49-F238E27FC236}">
-                <a16:creationId xmlns:a16="http://schemas.microsoft.com/office/drawing/2014/main" id="{7C6AE6C0-A250-D8AE-5F11-7C0D0F0C198A}"/>
+          <p:cNvPr id="7" name="Content Placeholder 6">
+            <a:extLst>
+              <a:ext uri="{FF2B5EF4-FFF2-40B4-BE49-F238E27FC236}">
+                <a16:creationId xmlns:a16="http://schemas.microsoft.com/office/drawing/2014/main" id="{26CE206F-FEB2-5944-A86C-B5326AF5016A}"/>
               </a:ext>
             </a:extLst>
           </p:cNvPr>
@@ -4141,8 +4141,8 @@
         </p:blipFill>
         <p:spPr>
           <a:xfrm>
-            <a:off x="2430780" y="1690688"/>
-            <a:ext cx="7010400" cy="4721066"/>
+            <a:off x="2296885" y="1479719"/>
+            <a:ext cx="7293429" cy="4911669"/>
           </a:xfrm>
           <a:prstGeom prst="rect">
             <a:avLst/>
@@ -4210,10 +4210,10 @@
       </p:sp>
       <p:pic>
         <p:nvPicPr>
-          <p:cNvPr id="5" name="Content Placeholder 4">
-            <a:extLst>
-              <a:ext uri="{FF2B5EF4-FFF2-40B4-BE49-F238E27FC236}">
-                <a16:creationId xmlns:a16="http://schemas.microsoft.com/office/drawing/2014/main" id="{AB6D76E2-8635-88FD-2636-979BDAB68677}"/>
+          <p:cNvPr id="7" name="Content Placeholder 6">
+            <a:extLst>
+              <a:ext uri="{FF2B5EF4-FFF2-40B4-BE49-F238E27FC236}">
+                <a16:creationId xmlns:a16="http://schemas.microsoft.com/office/drawing/2014/main" id="{15C162E5-A892-026E-3C1B-A61A9BDD2062}"/>
               </a:ext>
             </a:extLst>
           </p:cNvPr>
@@ -4232,8 +4232,8 @@
         </p:blipFill>
         <p:spPr>
           <a:xfrm>
-            <a:off x="2434389" y="1561143"/>
-            <a:ext cx="7323221" cy="4931732"/>
+            <a:off x="2264228" y="1610530"/>
+            <a:ext cx="7249886" cy="4882345"/>
           </a:xfrm>
           <a:prstGeom prst="rect">
             <a:avLst/>
